--- a/AP_Java/Week3/Week3.pptx
+++ b/AP_Java/Week3/Week3.pptx
@@ -278,7 +278,7 @@
           <a:p>
             <a:fld id="{1640351A-262A-F74E-9918-6D56AEE96A05}" type="datetimeFigureOut">
               <a:rPr lang="en-US" smtClean="0"/>
-              <a:t>7/17/22</a:t>
+              <a:t>8/14/22</a:t>
             </a:fld>
             <a:endParaRPr lang="en-US"/>
           </a:p>
@@ -676,6 +676,180 @@
           <a:bodyPr/>
           <a:lstStyle/>
           <a:p>
+            <a:r>
+              <a:rPr lang="en-US"/>
+              <a:t>Caleb begins</a:t>
+            </a:r>
+          </a:p>
+        </p:txBody>
+      </p:sp>
+      <p:sp>
+        <p:nvSpPr>
+          <p:cNvPr id="4" name="Slide Number Placeholder 3"/>
+          <p:cNvSpPr>
+            <a:spLocks noGrp="1"/>
+          </p:cNvSpPr>
+          <p:nvPr>
+            <p:ph type="sldNum" sz="quarter" idx="5"/>
+          </p:nvPr>
+        </p:nvSpPr>
+        <p:spPr/>
+        <p:txBody>
+          <a:bodyPr/>
+          <a:lstStyle/>
+          <a:p>
+            <a:fld id="{E55F63DC-8FAD-8940-A824-2859A47FFA6E}" type="slidenum">
+              <a:rPr lang="en-US" smtClean="0"/>
+              <a:t>24</a:t>
+            </a:fld>
+            <a:endParaRPr lang="en-US"/>
+          </a:p>
+        </p:txBody>
+      </p:sp>
+    </p:spTree>
+    <p:extLst>
+      <p:ext uri="{BB962C8B-B14F-4D97-AF65-F5344CB8AC3E}">
+        <p14:creationId xmlns:p14="http://schemas.microsoft.com/office/powerpoint/2010/main" val="634543614"/>
+      </p:ext>
+    </p:extLst>
+  </p:cSld>
+  <p:clrMapOvr>
+    <a:masterClrMapping/>
+  </p:clrMapOvr>
+</p:notes>
+</file>
+
+<file path=ppt/notesSlides/notesSlide3.xml><?xml version="1.0" encoding="utf-8"?>
+<p:notes xmlns:a="http://schemas.openxmlformats.org/drawingml/2006/main" xmlns:r="http://schemas.openxmlformats.org/officeDocument/2006/relationships" xmlns:p="http://schemas.openxmlformats.org/presentationml/2006/main">
+  <p:cSld>
+    <p:spTree>
+      <p:nvGrpSpPr>
+        <p:cNvPr id="1" name=""/>
+        <p:cNvGrpSpPr/>
+        <p:nvPr/>
+      </p:nvGrpSpPr>
+      <p:grpSpPr>
+        <a:xfrm>
+          <a:off x="0" y="0"/>
+          <a:ext cx="0" cy="0"/>
+          <a:chOff x="0" y="0"/>
+          <a:chExt cx="0" cy="0"/>
+        </a:xfrm>
+      </p:grpSpPr>
+      <p:sp>
+        <p:nvSpPr>
+          <p:cNvPr id="2" name="Slide Image Placeholder 1"/>
+          <p:cNvSpPr>
+            <a:spLocks noGrp="1" noRot="1" noChangeAspect="1"/>
+          </p:cNvSpPr>
+          <p:nvPr>
+            <p:ph type="sldImg"/>
+          </p:nvPr>
+        </p:nvSpPr>
+        <p:spPr/>
+      </p:sp>
+      <p:sp>
+        <p:nvSpPr>
+          <p:cNvPr id="3" name="Notes Placeholder 2"/>
+          <p:cNvSpPr>
+            <a:spLocks noGrp="1"/>
+          </p:cNvSpPr>
+          <p:nvPr>
+            <p:ph type="body" idx="1"/>
+          </p:nvPr>
+        </p:nvSpPr>
+        <p:spPr/>
+        <p:txBody>
+          <a:bodyPr/>
+          <a:lstStyle/>
+          <a:p>
+            <a:r>
+              <a:rPr lang="en-US" dirty="0"/>
+              <a:t>Sarah begins</a:t>
+            </a:r>
+          </a:p>
+        </p:txBody>
+      </p:sp>
+      <p:sp>
+        <p:nvSpPr>
+          <p:cNvPr id="4" name="Slide Number Placeholder 3"/>
+          <p:cNvSpPr>
+            <a:spLocks noGrp="1"/>
+          </p:cNvSpPr>
+          <p:nvPr>
+            <p:ph type="sldNum" sz="quarter" idx="5"/>
+          </p:nvPr>
+        </p:nvSpPr>
+        <p:spPr/>
+        <p:txBody>
+          <a:bodyPr/>
+          <a:lstStyle/>
+          <a:p>
+            <a:fld id="{E55F63DC-8FAD-8940-A824-2859A47FFA6E}" type="slidenum">
+              <a:rPr lang="en-US" smtClean="0"/>
+              <a:t>27</a:t>
+            </a:fld>
+            <a:endParaRPr lang="en-US"/>
+          </a:p>
+        </p:txBody>
+      </p:sp>
+    </p:spTree>
+    <p:extLst>
+      <p:ext uri="{BB962C8B-B14F-4D97-AF65-F5344CB8AC3E}">
+        <p14:creationId xmlns:p14="http://schemas.microsoft.com/office/powerpoint/2010/main" val="502142308"/>
+      </p:ext>
+    </p:extLst>
+  </p:cSld>
+  <p:clrMapOvr>
+    <a:masterClrMapping/>
+  </p:clrMapOvr>
+</p:notes>
+</file>
+
+<file path=ppt/notesSlides/notesSlide4.xml><?xml version="1.0" encoding="utf-8"?>
+<p:notes xmlns:a="http://schemas.openxmlformats.org/drawingml/2006/main" xmlns:r="http://schemas.openxmlformats.org/officeDocument/2006/relationships" xmlns:p="http://schemas.openxmlformats.org/presentationml/2006/main">
+  <p:cSld>
+    <p:spTree>
+      <p:nvGrpSpPr>
+        <p:cNvPr id="1" name=""/>
+        <p:cNvGrpSpPr/>
+        <p:nvPr/>
+      </p:nvGrpSpPr>
+      <p:grpSpPr>
+        <a:xfrm>
+          <a:off x="0" y="0"/>
+          <a:ext cx="0" cy="0"/>
+          <a:chOff x="0" y="0"/>
+          <a:chExt cx="0" cy="0"/>
+        </a:xfrm>
+      </p:grpSpPr>
+      <p:sp>
+        <p:nvSpPr>
+          <p:cNvPr id="2" name="Slide Image Placeholder 1"/>
+          <p:cNvSpPr>
+            <a:spLocks noGrp="1" noRot="1" noChangeAspect="1"/>
+          </p:cNvSpPr>
+          <p:nvPr>
+            <p:ph type="sldImg"/>
+          </p:nvPr>
+        </p:nvSpPr>
+        <p:spPr/>
+      </p:sp>
+      <p:sp>
+        <p:nvSpPr>
+          <p:cNvPr id="3" name="Notes Placeholder 2"/>
+          <p:cNvSpPr>
+            <a:spLocks noGrp="1"/>
+          </p:cNvSpPr>
+          <p:nvPr>
+            <p:ph type="body" idx="1"/>
+          </p:nvPr>
+        </p:nvSpPr>
+        <p:spPr/>
+        <p:txBody>
+          <a:bodyPr/>
+          <a:lstStyle/>
+          <a:p>
             <a:endParaRPr lang="en-US" dirty="0"/>
           </a:p>
         </p:txBody>
@@ -2382,7 +2556,7 @@
           <a:p>
             <a:fld id="{8F72BA41-EC5B-4197-BCC8-0FD2E523CD7A}" type="datetimeFigureOut">
               <a:rPr lang="en-US" smtClean="0"/>
-              <a:t>7/17/22</a:t>
+              <a:t>8/14/22</a:t>
             </a:fld>
             <a:endParaRPr lang="en-US"/>
           </a:p>
@@ -2585,7 +2759,7 @@
           <a:p>
             <a:fld id="{8F72BA41-EC5B-4197-BCC8-0FD2E523CD7A}" type="datetimeFigureOut">
               <a:rPr lang="en-US" smtClean="0"/>
-              <a:t>7/17/22</a:t>
+              <a:t>8/14/22</a:t>
             </a:fld>
             <a:endParaRPr lang="en-US"/>
           </a:p>
@@ -4306,7 +4480,7 @@
           <a:p>
             <a:fld id="{8F72BA41-EC5B-4197-BCC8-0FD2E523CD7A}" type="datetimeFigureOut">
               <a:rPr lang="en-US" smtClean="0"/>
-              <a:t>7/17/22</a:t>
+              <a:t>8/14/22</a:t>
             </a:fld>
             <a:endParaRPr lang="en-US"/>
           </a:p>
@@ -4505,7 +4679,7 @@
           <a:p>
             <a:fld id="{8F72BA41-EC5B-4197-BCC8-0FD2E523CD7A}" type="datetimeFigureOut">
               <a:rPr lang="en-US" smtClean="0"/>
-              <a:t>7/17/22</a:t>
+              <a:t>8/14/22</a:t>
             </a:fld>
             <a:endParaRPr lang="en-US"/>
           </a:p>
@@ -6295,7 +6469,7 @@
           <a:p>
             <a:fld id="{8F72BA41-EC5B-4197-BCC8-0FD2E523CD7A}" type="datetimeFigureOut">
               <a:rPr lang="en-US" smtClean="0"/>
-              <a:t>7/17/22</a:t>
+              <a:t>8/14/22</a:t>
             </a:fld>
             <a:endParaRPr lang="en-US"/>
           </a:p>
@@ -6568,7 +6742,7 @@
           <a:p>
             <a:fld id="{8F72BA41-EC5B-4197-BCC8-0FD2E523CD7A}" type="datetimeFigureOut">
               <a:rPr lang="en-US" smtClean="0"/>
-              <a:t>7/17/22</a:t>
+              <a:t>8/14/22</a:t>
             </a:fld>
             <a:endParaRPr lang="en-US"/>
           </a:p>
@@ -6988,7 +7162,7 @@
           <a:p>
             <a:fld id="{8F72BA41-EC5B-4197-BCC8-0FD2E523CD7A}" type="datetimeFigureOut">
               <a:rPr lang="en-US" smtClean="0"/>
-              <a:t>7/17/22</a:t>
+              <a:t>8/14/22</a:t>
             </a:fld>
             <a:endParaRPr lang="en-US"/>
           </a:p>
@@ -7144,7 +7318,7 @@
           <a:p>
             <a:fld id="{8F72BA41-EC5B-4197-BCC8-0FD2E523CD7A}" type="datetimeFigureOut">
               <a:rPr lang="en-US" smtClean="0"/>
-              <a:t>7/17/22</a:t>
+              <a:t>8/14/22</a:t>
             </a:fld>
             <a:endParaRPr lang="en-US"/>
           </a:p>
@@ -8712,7 +8886,7 @@
           <a:p>
             <a:fld id="{8F72BA41-EC5B-4197-BCC8-0FD2E523CD7A}" type="datetimeFigureOut">
               <a:rPr lang="en-US" smtClean="0"/>
-              <a:t>7/17/22</a:t>
+              <a:t>8/14/22</a:t>
             </a:fld>
             <a:endParaRPr lang="en-US"/>
           </a:p>
@@ -10563,7 +10737,7 @@
           <a:p>
             <a:fld id="{8F72BA41-EC5B-4197-BCC8-0FD2E523CD7A}" type="datetimeFigureOut">
               <a:rPr lang="en-US" smtClean="0"/>
-              <a:t>7/17/22</a:t>
+              <a:t>8/14/22</a:t>
             </a:fld>
             <a:endParaRPr lang="en-US"/>
           </a:p>
@@ -12376,7 +12550,7 @@
           <a:p>
             <a:fld id="{8F72BA41-EC5B-4197-BCC8-0FD2E523CD7A}" type="datetimeFigureOut">
               <a:rPr lang="en-US" smtClean="0"/>
-              <a:t>7/17/22</a:t>
+              <a:t>8/14/22</a:t>
             </a:fld>
             <a:endParaRPr lang="en-US"/>
           </a:p>
@@ -14070,7 +14244,7 @@
             <a:fld id="{8F72BA41-EC5B-4197-BCC8-0FD2E523CD7A}" type="datetimeFigureOut">
               <a:rPr lang="en-US" smtClean="0"/>
               <a:pPr/>
-              <a:t>7/17/22</a:t>
+              <a:t>8/14/22</a:t>
             </a:fld>
             <a:endParaRPr lang="en-US" dirty="0"/>
           </a:p>
@@ -19139,7 +19313,7 @@
           <p:nvPr/>
         </p:nvPicPr>
         <p:blipFill>
-          <a:blip r:embed="rId2"/>
+          <a:blip r:embed="rId3"/>
           <a:stretch>
             <a:fillRect/>
           </a:stretch>
@@ -20130,8 +20304,8 @@
           </a:prstGeom>
         </p:spPr>
       </p:pic>
-      <mc:AlternateContent xmlns:mc="http://schemas.openxmlformats.org/markup-compatibility/2006">
-        <mc:Choice xmlns:p14="http://schemas.microsoft.com/office/powerpoint/2010/main" Requires="p14">
+      <mc:AlternateContent xmlns:mc="http://schemas.openxmlformats.org/markup-compatibility/2006" xmlns:p14="http://schemas.microsoft.com/office/powerpoint/2010/main">
+        <mc:Choice Requires="p14">
           <p:contentPart p14:bwMode="auto" r:id="rId4">
             <p14:nvContentPartPr>
               <p14:cNvPr id="2" name="Ink 1">
@@ -20150,7 +20324,7 @@
             </p14:xfrm>
           </p:contentPart>
         </mc:Choice>
-        <mc:Fallback>
+        <mc:Fallback xmlns="">
           <p:pic>
             <p:nvPicPr>
               <p:cNvPr id="2" name="Ink 1">
